--- a/IoT/pptx/IoTMisc.pptx
+++ b/IoT/pptx/IoTMisc.pptx
@@ -243,7 +243,7 @@
           <a:p>
             <a:fld id="{9C29247A-81CC-5A45-AAC3-18C6E411C0EF}" type="datetimeFigureOut">
               <a:rPr lang="en-US" smtClean="0"/>
-              <a:t>4/6/20</a:t>
+              <a:t>8/29/21</a:t>
             </a:fld>
             <a:endParaRPr lang="en-US" dirty="0"/>
           </a:p>
@@ -413,7 +413,7 @@
             <a:fld id="{2634B0B8-8EB4-D247-9083-23AA00B29EE8}" type="datetimeFigureOut">
               <a:rPr lang="en-US" smtClean="0"/>
               <a:pPr/>
-              <a:t>4/6/20</a:t>
+              <a:t>8/29/21</a:t>
             </a:fld>
             <a:endParaRPr lang="en-US" dirty="0"/>
           </a:p>
@@ -10973,8 +10973,8 @@
         </p:nvSpPr>
         <p:spPr>
           <a:xfrm>
-            <a:off x="1092200" y="1828800"/>
-            <a:ext cx="4992264" cy="1323439"/>
+            <a:off x="1092200" y="1882588"/>
+            <a:ext cx="10068859" cy="1569660"/>
           </a:xfrm>
           <a:prstGeom prst="rect">
             <a:avLst/>
@@ -10982,7 +10982,7 @@
           <a:noFill/>
         </p:spPr>
         <p:txBody>
-          <a:bodyPr wrap="none" rtlCol="0">
+          <a:bodyPr wrap="square" rtlCol="0">
             <a:spAutoFit/>
           </a:bodyPr>
           <a:lstStyle/>
@@ -10992,7 +10992,7 @@
               <a:buChar char="•"/>
             </a:pPr>
             <a:r>
-              <a:rPr lang="en-US" sz="2000" dirty="0">
+              <a:rPr lang="en-US" sz="2400" dirty="0">
                 <a:latin typeface="Arial" panose="020B0604020202020204" pitchFamily="34" charset="0"/>
                 <a:cs typeface="Arial" panose="020B0604020202020204" pitchFamily="34" charset="0"/>
               </a:rPr>
@@ -11005,7 +11005,7 @@
               <a:buChar char="•"/>
             </a:pPr>
             <a:r>
-              <a:rPr lang="en-US" sz="2000" dirty="0">
+              <a:rPr lang="en-US" sz="2400" dirty="0">
                 <a:latin typeface="Arial" panose="020B0604020202020204" pitchFamily="34" charset="0"/>
                 <a:cs typeface="Arial" panose="020B0604020202020204" pitchFamily="34" charset="0"/>
               </a:rPr>
@@ -11018,7 +11018,7 @@
               <a:buChar char="•"/>
             </a:pPr>
             <a:r>
-              <a:rPr lang="en-US" sz="2000" dirty="0">
+              <a:rPr lang="en-US" sz="2400" dirty="0">
                 <a:latin typeface="Arial" panose="020B0604020202020204" pitchFamily="34" charset="0"/>
                 <a:cs typeface="Arial" panose="020B0604020202020204" pitchFamily="34" charset="0"/>
               </a:rPr>
@@ -11031,14 +11031,14 @@
               <a:buChar char="•"/>
             </a:pPr>
             <a:r>
-              <a:rPr lang="en-US" sz="2000" dirty="0" err="1">
+              <a:rPr lang="en-US" sz="2400" dirty="0" err="1">
                 <a:latin typeface="Arial" panose="020B0604020202020204" pitchFamily="34" charset="0"/>
                 <a:cs typeface="Arial" panose="020B0604020202020204" pitchFamily="34" charset="0"/>
               </a:rPr>
               <a:t>Wifi</a:t>
             </a:r>
             <a:r>
-              <a:rPr lang="en-US" sz="2000" dirty="0">
+              <a:rPr lang="en-US" sz="2400" dirty="0">
                 <a:latin typeface="Arial" panose="020B0604020202020204" pitchFamily="34" charset="0"/>
                 <a:cs typeface="Arial" panose="020B0604020202020204" pitchFamily="34" charset="0"/>
               </a:rPr>
@@ -14118,8 +14118,8 @@
         </p:nvSpPr>
         <p:spPr>
           <a:xfrm>
-            <a:off x="1092200" y="1447801"/>
-            <a:ext cx="8947150" cy="4729164"/>
+            <a:off x="1092199" y="1555377"/>
+            <a:ext cx="10176435" cy="4729164"/>
           </a:xfrm>
         </p:spPr>
         <p:txBody>
